--- a/Trabajo_individual/Presentación_Trabajo_Individual.pptx
+++ b/Trabajo_individual/Presentación_Trabajo_Individual.pptx
@@ -15508,7 +15508,7 @@
             <p:spPr>
               <a:xfrm>
                 <a:off x="613255" y="1621677"/>
-                <a:ext cx="11034247" cy="2949525"/>
+                <a:ext cx="11034247" cy="3363678"/>
               </a:xfrm>
               <a:prstGeom prst="rect">
                 <a:avLst/>
@@ -15529,7 +15529,7 @@
                 <a:r>
                   <a:rPr lang="es-PE" sz="1800" dirty="0">
                     <a:effectLst/>
-                    <a:latin typeface="Arial" panose="020B0604020202020204" pitchFamily="34" charset="0"/>
+                    <a:latin typeface="Century Gothic" panose="020B0502020202020204" pitchFamily="34" charset="0"/>
                     <a:ea typeface="Times New Roman" panose="02020603050405020304" pitchFamily="18" charset="0"/>
                   </a:rPr>
                   <a:t>En el análisis de varianza, se observó que la </a:t>
@@ -15537,7 +15537,7 @@
                 <a:r>
                   <a:rPr lang="es-PE" sz="1800" b="1" dirty="0">
                     <a:effectLst/>
-                    <a:latin typeface="Arial" panose="020B0604020202020204" pitchFamily="34" charset="0"/>
+                    <a:latin typeface="Century Gothic" panose="020B0502020202020204" pitchFamily="34" charset="0"/>
                     <a:ea typeface="Times New Roman" panose="02020603050405020304" pitchFamily="18" charset="0"/>
                   </a:rPr>
                   <a:t>Intensidad de Pastoreo</a:t>
@@ -15545,7 +15545,7 @@
                 <a:r>
                   <a:rPr lang="es-PE" sz="1800" dirty="0">
                     <a:effectLst/>
-                    <a:latin typeface="Arial" panose="020B0604020202020204" pitchFamily="34" charset="0"/>
+                    <a:latin typeface="Century Gothic" panose="020B0502020202020204" pitchFamily="34" charset="0"/>
                     <a:ea typeface="Times New Roman" panose="02020603050405020304" pitchFamily="18" charset="0"/>
                   </a:rPr>
                   <a:t> tiene un efecto significativo en los valores observados (p=0.0192), lo que indica que los diferentes niveles de pastoreo generan diferencias en los parámetros medidos. Sin embargo, las varianzas dentro de cada nivel de pastoreo son homogéneas (p=0.8029, Test de Bartlett), lo que sugiere una consistencia en la dispersión de los datos entre los tratamientos. Por otro lado, el bloque definido por la propiedad del suelo (</a:t>
@@ -15553,7 +15553,7 @@
                 <a:r>
                   <a:rPr lang="es-PE" sz="1800" b="1" dirty="0" err="1">
                     <a:effectLst/>
-                    <a:latin typeface="Arial" panose="020B0604020202020204" pitchFamily="34" charset="0"/>
+                    <a:latin typeface="Century Gothic" panose="020B0502020202020204" pitchFamily="34" charset="0"/>
                     <a:ea typeface="Times New Roman" panose="02020603050405020304" pitchFamily="18" charset="0"/>
                   </a:rPr>
                   <a:t>Psuelo</a:t>
@@ -15561,7 +15561,7 @@
                 <a:r>
                   <a:rPr lang="es-PE" sz="1800" dirty="0">
                     <a:effectLst/>
-                    <a:latin typeface="Arial" panose="020B0604020202020204" pitchFamily="34" charset="0"/>
+                    <a:latin typeface="Century Gothic" panose="020B0502020202020204" pitchFamily="34" charset="0"/>
                     <a:ea typeface="Times New Roman" panose="02020603050405020304" pitchFamily="18" charset="0"/>
                   </a:rPr>
                   <a:t>) mostró diferencias significativas en las varianzas (p≈</a:t>
@@ -15612,7 +15612,7 @@
                 <a:r>
                   <a:rPr lang="es-PE" sz="1800" dirty="0">
                     <a:effectLst/>
-                    <a:latin typeface="Arial" panose="020B0604020202020204" pitchFamily="34" charset="0"/>
+                    <a:latin typeface="Century Gothic" panose="020B0502020202020204" pitchFamily="34" charset="0"/>
                     <a:ea typeface="Times New Roman" panose="02020603050405020304" pitchFamily="18" charset="0"/>
                   </a:rPr>
                   <a:t>), lo que sugiere que las propiedades del suelo influyen de manera diferenciada en la dispersión de los datos, afectando los resultados generales del análisis.</a:t>
@@ -15639,7 +15639,7 @@
             <p:spPr>
               <a:xfrm>
                 <a:off x="613255" y="1621677"/>
-                <a:ext cx="11034247" cy="2949525"/>
+                <a:ext cx="11034247" cy="3363678"/>
               </a:xfrm>
               <a:prstGeom prst="rect">
                 <a:avLst/>
@@ -15647,7 +15647,7 @@
               <a:blipFill>
                 <a:blip r:embed="rId3"/>
                 <a:stretch>
-                  <a:fillRect l="-497" r="-442" b="-2479"/>
+                  <a:fillRect l="-497" r="-442" b="-1812"/>
                 </a:stretch>
               </a:blipFill>
             </p:spPr>
@@ -15934,7 +15934,7 @@
             <p:spPr>
               <a:xfrm>
                 <a:off x="613255" y="1288398"/>
-                <a:ext cx="9976611" cy="5189626"/>
+                <a:ext cx="9976611" cy="5605124"/>
               </a:xfrm>
               <a:prstGeom prst="rect">
                 <a:avLst/>
@@ -15955,7 +15955,7 @@
                 <a:r>
                   <a:rPr lang="es-PE" sz="1800" dirty="0">
                     <a:effectLst/>
-                    <a:latin typeface="Arial" panose="020B0604020202020204" pitchFamily="34" charset="0"/>
+                    <a:latin typeface="Century Gothic" panose="020B0502020202020204" pitchFamily="34" charset="0"/>
                     <a:ea typeface="Times New Roman" panose="02020603050405020304" pitchFamily="18" charset="0"/>
                   </a:rPr>
                   <a:t>La prueba de Durbin-Watson es una prueba estadística utilizada para detectar la autocorrelación en los residuos de un modelo de regresión. En este caso, el valor de Durbin-Watson es 1.0659, con un p-valor de 0.0001056. Dado que el p-valor es muy bajo (menor que el umbral común de significancia de 0.05), se rechaza la hipótesis nula de que no hay autocorrelación. El valor de 1.0659 está cerca de 1, lo que sugiere una autocorrelación positiva de primer orden en los residuos, es decir, existe una relación entre los errores residuales consecutivos en el modelo. Esto indica que los residuos no son independientes, lo cual puede ser un problema para la validez de los resultados del análisis ANOVA, ya que una de las suposiciones clave es la independencia de los errores.</a:t>
@@ -15970,14 +15970,14 @@
                 <a:r>
                   <a:rPr lang="es-PE" sz="1800" b="1" dirty="0">
                     <a:effectLst/>
-                    <a:latin typeface="Arial" panose="020B0604020202020204" pitchFamily="34" charset="0"/>
+                    <a:latin typeface="Century Gothic" panose="020B0502020202020204" pitchFamily="34" charset="0"/>
                     <a:ea typeface="Times New Roman" panose="02020603050405020304" pitchFamily="18" charset="0"/>
                   </a:rPr>
                   <a:t> </a:t>
                 </a:r>
                 <a:endParaRPr lang="es-PE" sz="1800" dirty="0">
                   <a:effectLst/>
-                  <a:latin typeface="Arial" panose="020B0604020202020204" pitchFamily="34" charset="0"/>
+                  <a:latin typeface="Century Gothic" panose="020B0502020202020204" pitchFamily="34" charset="0"/>
                   <a:ea typeface="Times New Roman" panose="02020603050405020304" pitchFamily="18" charset="0"/>
                 </a:endParaRPr>
               </a:p>
@@ -16278,7 +16278,7 @@
                 </a14:m>
                 <a:endParaRPr lang="es-PE" sz="1800" dirty="0">
                   <a:effectLst/>
-                  <a:latin typeface="Arial" panose="020B0604020202020204" pitchFamily="34" charset="0"/>
+                  <a:latin typeface="Century Gothic" panose="020B0502020202020204" pitchFamily="34" charset="0"/>
                   <a:ea typeface="Times New Roman" panose="02020603050405020304" pitchFamily="18" charset="0"/>
                 </a:endParaRPr>
               </a:p>
@@ -16303,7 +16303,7 @@
             <p:spPr>
               <a:xfrm>
                 <a:off x="613255" y="1288398"/>
-                <a:ext cx="9976611" cy="5189626"/>
+                <a:ext cx="9976611" cy="5605124"/>
               </a:xfrm>
               <a:prstGeom prst="rect">
                 <a:avLst/>
@@ -17188,7 +17188,7 @@
         <p:spPr>
           <a:xfrm>
             <a:off x="783694" y="1148990"/>
-            <a:ext cx="10430614" cy="3046988"/>
+            <a:ext cx="10430614" cy="3785652"/>
           </a:xfrm>
           <a:prstGeom prst="rect">
             <a:avLst/>
@@ -17212,11 +17212,15 @@
               <a:t>T</a:t>
             </a:r>
             <a:r>
-              <a:rPr lang="es-MX" sz="2400" dirty="0" err="1"/>
+              <a:rPr lang="es-MX" sz="2400" dirty="0" err="1">
+                <a:latin typeface="Century Gothic" panose="020B0502020202020204" pitchFamily="34" charset="0"/>
+              </a:rPr>
               <a:t>anto</a:t>
             </a:r>
             <a:r>
-              <a:rPr lang="es-MX" sz="2400" dirty="0"/>
+              <a:rPr lang="es-MX" sz="2400" dirty="0">
+                <a:latin typeface="Century Gothic" panose="020B0502020202020204" pitchFamily="34" charset="0"/>
+              </a:rPr>
               <a:t> la intensidad de pastoreo como el tipo de suelo tienen efectos significativos sobre la variable dependiente, siendo el tipo de suelo el factor más influyente.</a:t>
             </a:r>
           </a:p>
@@ -17226,7 +17230,9 @@
               <a:buChar char="•"/>
             </a:pPr>
             <a:r>
-              <a:rPr lang="es-MX" sz="2400" dirty="0"/>
+              <a:rPr lang="es-MX" sz="2400" dirty="0">
+                <a:latin typeface="Century Gothic" panose="020B0502020202020204" pitchFamily="34" charset="0"/>
+              </a:rPr>
               <a:t>La prueba de Tukey mostró diferencias significativas entre los niveles de pastoreo, destacando que G0 y G0.7 son significativamente diferentes, mientras que G1.2 y G1.6 no se diferencian claramente.</a:t>
             </a:r>
           </a:p>
@@ -17236,7 +17242,9 @@
               <a:buChar char="•"/>
             </a:pPr>
             <a:r>
-              <a:rPr lang="es-MX" sz="2400" dirty="0"/>
+              <a:rPr lang="es-MX" sz="2400" dirty="0">
+                <a:latin typeface="Century Gothic" panose="020B0502020202020204" pitchFamily="34" charset="0"/>
+              </a:rPr>
               <a:t>Se detectó autocorrelación positiva en los residuos del modelo, lo que podría requerir ajustes adicionales para garantizar la validez del análisis.</a:t>
             </a:r>
             <a:endParaRPr lang="es-ES" sz="2400" dirty="0">
@@ -18439,15 +18447,21 @@
               </a:tabLst>
             </a:pPr>
             <a:r>
-              <a:rPr lang="es-MX" dirty="0"/>
+              <a:rPr lang="es-MX" dirty="0">
+                <a:latin typeface="Century Gothic" panose="020B0502020202020204" pitchFamily="34" charset="0"/>
+              </a:rPr>
               <a:t>Evaluar el efecto de diferentes intensidades de pastoreo sobre las concentraciones de NH4+-N, NO3-N y fósforo (P) en suelos de praderas alpinas de la meseta de </a:t>
             </a:r>
             <a:r>
-              <a:rPr lang="es-MX" dirty="0" err="1"/>
+              <a:rPr lang="es-MX" dirty="0" err="1">
+                <a:latin typeface="Century Gothic" panose="020B0502020202020204" pitchFamily="34" charset="0"/>
+              </a:rPr>
               <a:t>Zoige</a:t>
             </a:r>
             <a:r>
-              <a:rPr lang="es-MX" dirty="0"/>
+              <a:rPr lang="es-MX" dirty="0">
+                <a:latin typeface="Century Gothic" panose="020B0502020202020204" pitchFamily="34" charset="0"/>
+              </a:rPr>
               <a:t>, China, para determinar su impacto en la calidad del suelo y su relación con las emisiones de gases de efecto invernadero.</a:t>
             </a:r>
             <a:r>
@@ -19268,7 +19282,7 @@
           <p:nvPr/>
         </p:nvPicPr>
         <p:blipFill rotWithShape="1">
-          <a:blip r:embed="rId3">
+          <a:blip r:embed="rId2">
             <a:alphaModFix/>
           </a:blip>
           <a:srcRect l="12839" r="16338" b="26696"/>
@@ -19303,7 +19317,7 @@
           <p:nvPr/>
         </p:nvPicPr>
         <p:blipFill>
-          <a:blip r:embed="rId4"/>
+          <a:blip r:embed="rId3"/>
           <a:stretch>
             <a:fillRect/>
           </a:stretch>
@@ -19439,12 +19453,12 @@
           <a:graphicData uri="http://schemas.openxmlformats.org/presentationml/2006/ole">
             <mc:AlternateContent xmlns:mc="http://schemas.openxmlformats.org/markup-compatibility/2006">
               <mc:Choice xmlns:v="urn:schemas-microsoft-com:vml" Requires="v">
-                <p:oleObj spid="_x0000_s1028" name="Document" r:id="rId5" imgW="5695082" imgH="3900785" progId="Word.Document.12">
+                <p:oleObj name="Document" r:id="rId4" imgW="5695082" imgH="3900785" progId="Word.Document.12">
                   <p:embed/>
                 </p:oleObj>
               </mc:Choice>
               <mc:Fallback>
-                <p:oleObj name="Document" r:id="rId5" imgW="5695082" imgH="3900785" progId="Word.Document.12">
+                <p:oleObj name="Document" r:id="rId4" imgW="5695082" imgH="3900785" progId="Word.Document.12">
                   <p:embed/>
                   <p:pic>
                     <p:nvPicPr>
@@ -19453,7 +19467,7 @@
                       <p:nvPr/>
                     </p:nvPicPr>
                     <p:blipFill>
-                      <a:blip r:embed="rId6"/>
+                      <a:blip r:embed="rId5"/>
                       <a:stretch>
                         <a:fillRect/>
                       </a:stretch>
@@ -19489,7 +19503,7 @@
           <p:nvPr/>
         </p:nvPicPr>
         <p:blipFill>
-          <a:blip r:embed="rId7"/>
+          <a:blip r:embed="rId6"/>
           <a:stretch>
             <a:fillRect/>
           </a:stretch>
@@ -19519,7 +19533,7 @@
           <p:nvPr/>
         </p:nvPicPr>
         <p:blipFill>
-          <a:blip r:embed="rId8"/>
+          <a:blip r:embed="rId7"/>
           <a:stretch>
             <a:fillRect/>
           </a:stretch>
@@ -19632,7 +19646,7 @@
           <p:nvPr/>
         </p:nvPicPr>
         <p:blipFill rotWithShape="1">
-          <a:blip r:embed="rId3">
+          <a:blip r:embed="rId2">
             <a:alphaModFix/>
           </a:blip>
           <a:srcRect l="12839" r="16338" b="26696"/>
@@ -19667,7 +19681,7 @@
           <p:nvPr/>
         </p:nvPicPr>
         <p:blipFill>
-          <a:blip r:embed="rId4"/>
+          <a:blip r:embed="rId3"/>
           <a:stretch>
             <a:fillRect/>
           </a:stretch>
@@ -19797,12 +19811,12 @@
           <a:graphicData uri="http://schemas.openxmlformats.org/presentationml/2006/ole">
             <mc:AlternateContent xmlns:mc="http://schemas.openxmlformats.org/markup-compatibility/2006">
               <mc:Choice xmlns:v="urn:schemas-microsoft-com:vml" Requires="v">
-                <p:oleObj spid="_x0000_s2052" name="Document" r:id="rId5" imgW="5695082" imgH="3900785" progId="Word.Document.12">
+                <p:oleObj name="Document" r:id="rId4" imgW="5695082" imgH="3900785" progId="Word.Document.12">
                   <p:embed/>
                 </p:oleObj>
               </mc:Choice>
               <mc:Fallback>
-                <p:oleObj name="Document" r:id="rId5" imgW="5695082" imgH="3900785" progId="Word.Document.12">
+                <p:oleObj name="Document" r:id="rId4" imgW="5695082" imgH="3900785" progId="Word.Document.12">
                   <p:embed/>
                   <p:pic>
                     <p:nvPicPr>
@@ -19817,7 +19831,7 @@
                       <p:nvPr/>
                     </p:nvPicPr>
                     <p:blipFill>
-                      <a:blip r:embed="rId6"/>
+                      <a:blip r:embed="rId5"/>
                       <a:stretch>
                         <a:fillRect/>
                       </a:stretch>
@@ -19853,7 +19867,7 @@
           <p:nvPr/>
         </p:nvPicPr>
         <p:blipFill>
-          <a:blip r:embed="rId7"/>
+          <a:blip r:embed="rId6"/>
           <a:stretch>
             <a:fillRect/>
           </a:stretch>
@@ -19883,7 +19897,7 @@
           <p:nvPr/>
         </p:nvPicPr>
         <p:blipFill>
-          <a:blip r:embed="rId8"/>
+          <a:blip r:embed="rId7"/>
           <a:stretch>
             <a:fillRect/>
           </a:stretch>
@@ -19996,7 +20010,7 @@
           <p:nvPr/>
         </p:nvPicPr>
         <p:blipFill rotWithShape="1">
-          <a:blip r:embed="rId3">
+          <a:blip r:embed="rId2">
             <a:alphaModFix/>
           </a:blip>
           <a:srcRect l="12839" r="16338" b="26696"/>
@@ -20031,7 +20045,7 @@
           <p:nvPr/>
         </p:nvPicPr>
         <p:blipFill>
-          <a:blip r:embed="rId4"/>
+          <a:blip r:embed="rId3"/>
           <a:stretch>
             <a:fillRect/>
           </a:stretch>
@@ -20161,12 +20175,12 @@
           <a:graphicData uri="http://schemas.openxmlformats.org/presentationml/2006/ole">
             <mc:AlternateContent xmlns:mc="http://schemas.openxmlformats.org/markup-compatibility/2006">
               <mc:Choice xmlns:v="urn:schemas-microsoft-com:vml" Requires="v">
-                <p:oleObj spid="_x0000_s3076" name="Document" r:id="rId5" imgW="5695082" imgH="3900785" progId="Word.Document.12">
+                <p:oleObj name="Document" r:id="rId4" imgW="5695082" imgH="3900785" progId="Word.Document.12">
                   <p:embed/>
                 </p:oleObj>
               </mc:Choice>
               <mc:Fallback>
-                <p:oleObj name="Document" r:id="rId5" imgW="5695082" imgH="3900785" progId="Word.Document.12">
+                <p:oleObj name="Document" r:id="rId4" imgW="5695082" imgH="3900785" progId="Word.Document.12">
                   <p:embed/>
                   <p:pic>
                     <p:nvPicPr>
@@ -20181,7 +20195,7 @@
                       <p:nvPr/>
                     </p:nvPicPr>
                     <p:blipFill>
-                      <a:blip r:embed="rId6"/>
+                      <a:blip r:embed="rId5"/>
                       <a:stretch>
                         <a:fillRect/>
                       </a:stretch>
@@ -20217,7 +20231,7 @@
           <p:nvPr/>
         </p:nvPicPr>
         <p:blipFill>
-          <a:blip r:embed="rId7"/>
+          <a:blip r:embed="rId6"/>
           <a:stretch>
             <a:fillRect/>
           </a:stretch>
@@ -20247,7 +20261,7 @@
           <p:nvPr/>
         </p:nvPicPr>
         <p:blipFill>
-          <a:blip r:embed="rId8"/>
+          <a:blip r:embed="rId7"/>
           <a:stretch>
             <a:fillRect/>
           </a:stretch>
